--- a/Presentation Slides/Sprint 1 Presentation.pptx
+++ b/Presentation Slides/Sprint 1 Presentation.pptx
@@ -2438,7 +2438,7 @@
         </p:nvSpPr>
         <p:spPr>
           <a:xfrm>
-            <a:off x="381300" y="685800"/>
+            <a:off x="381000" y="685800"/>
             <a:ext cx="6096000" cy="3429000"/>
           </a:xfrm>
           <a:custGeom>
@@ -11006,7 +11006,7 @@
         </p:nvGraphicFramePr>
         <p:xfrm>
           <a:off x="680400" y="1470325"/>
-          <a:ext cx="3000000" cy="3000000"/>
+          <a:ext cx="7450200" cy="3423100"/>
         </p:xfrm>
         <a:graphic>
           <a:graphicData uri="http://schemas.openxmlformats.org/drawingml/2006/table">
@@ -12820,14 +12820,14 @@
               <a:buChar char="●"/>
             </a:pPr>
             <a:r>
-              <a:rPr lang="en">
+              <a:rPr lang="en" dirty="0">
                 <a:solidFill>
                   <a:srgbClr val="000000"/>
                 </a:solidFill>
               </a:rPr>
               <a:t>60 story points planned</a:t>
             </a:r>
-            <a:endParaRPr>
+            <a:endParaRPr dirty="0">
               <a:solidFill>
                 <a:srgbClr val="000000"/>
               </a:solidFill>
@@ -12848,14 +12848,14 @@
               <a:buChar char="●"/>
             </a:pPr>
             <a:r>
-              <a:rPr lang="en">
+              <a:rPr lang="en" dirty="0">
                 <a:solidFill>
                   <a:srgbClr val="000000"/>
                 </a:solidFill>
               </a:rPr>
               <a:t>40 completed</a:t>
             </a:r>
-            <a:endParaRPr>
+            <a:endParaRPr dirty="0">
               <a:solidFill>
                 <a:srgbClr val="000000"/>
               </a:solidFill>
@@ -12876,14 +12876,14 @@
               <a:buChar char="●"/>
             </a:pPr>
             <a:r>
-              <a:rPr lang="en">
+              <a:rPr lang="en" dirty="0">
                 <a:solidFill>
                   <a:srgbClr val="000000"/>
                 </a:solidFill>
               </a:rPr>
               <a:t>Tasks planned and completed</a:t>
             </a:r>
-            <a:endParaRPr>
+            <a:endParaRPr dirty="0">
               <a:solidFill>
                 <a:srgbClr val="000000"/>
               </a:solidFill>
@@ -12891,6 +12891,9 @@
           </a:p>
           <a:p>
             <a:pPr marL="914400" lvl="1" indent="-317500" algn="l" rtl="0">
+              <a:lnSpc>
+                <a:spcPct val="150000"/>
+              </a:lnSpc>
               <a:spcBef>
                 <a:spcPts val="0"/>
               </a:spcBef>
@@ -12904,14 +12907,14 @@
               <a:buChar char="○"/>
             </a:pPr>
             <a:r>
-              <a:rPr lang="en">
+              <a:rPr lang="en" dirty="0">
                 <a:solidFill>
                   <a:srgbClr val="000000"/>
                 </a:solidFill>
               </a:rPr>
               <a:t>Product requirements document</a:t>
             </a:r>
-            <a:endParaRPr>
+            <a:endParaRPr dirty="0">
               <a:solidFill>
                 <a:srgbClr val="000000"/>
               </a:solidFill>
@@ -12920,7 +12923,7 @@
           <a:p>
             <a:pPr marL="914400" lvl="1" indent="-317500" algn="l" rtl="0">
               <a:lnSpc>
-                <a:spcPct val="200000"/>
+                <a:spcPct val="150000"/>
               </a:lnSpc>
               <a:spcBef>
                 <a:spcPts val="0"/>
@@ -12935,14 +12938,14 @@
               <a:buChar char="○"/>
             </a:pPr>
             <a:r>
-              <a:rPr lang="en">
+              <a:rPr lang="en" dirty="0">
                 <a:solidFill>
                   <a:srgbClr val="000000"/>
                 </a:solidFill>
               </a:rPr>
               <a:t>Architecture and design document</a:t>
             </a:r>
-            <a:endParaRPr>
+            <a:endParaRPr dirty="0">
               <a:solidFill>
                 <a:srgbClr val="000000"/>
               </a:solidFill>
@@ -12966,14 +12969,14 @@
               <a:buChar char="●"/>
             </a:pPr>
             <a:r>
-              <a:rPr lang="en">
+              <a:rPr lang="en" dirty="0">
                 <a:solidFill>
                   <a:srgbClr val="000000"/>
                 </a:solidFill>
               </a:rPr>
               <a:t>Tasks planned and not completed</a:t>
             </a:r>
-            <a:endParaRPr>
+            <a:endParaRPr dirty="0">
               <a:solidFill>
                 <a:srgbClr val="000000"/>
               </a:solidFill>
@@ -12997,14 +13000,22 @@
               <a:buChar char="○"/>
             </a:pPr>
             <a:r>
-              <a:rPr lang="en">
+              <a:rPr lang="en" dirty="0">
                 <a:solidFill>
                   <a:srgbClr val="000000"/>
                 </a:solidFill>
               </a:rPr>
-              <a:t>Business requirements documents</a:t>
+              <a:t>Business requirements document </a:t>
             </a:r>
-            <a:endParaRPr>
+            <a:r>
+              <a:rPr lang="en-US" dirty="0">
+                <a:solidFill>
+                  <a:srgbClr val="000000"/>
+                </a:solidFill>
+              </a:rPr>
+              <a:t>update</a:t>
+            </a:r>
+            <a:endParaRPr dirty="0">
               <a:solidFill>
                 <a:srgbClr val="000000"/>
               </a:solidFill>
@@ -13028,14 +13039,14 @@
               <a:buChar char="○"/>
             </a:pPr>
             <a:r>
-              <a:rPr lang="en">
+              <a:rPr lang="en" dirty="0">
                 <a:solidFill>
                   <a:srgbClr val="000000"/>
                 </a:solidFill>
               </a:rPr>
               <a:t>Did not set up database, but began login page</a:t>
             </a:r>
-            <a:endParaRPr>
+            <a:endParaRPr dirty="0">
               <a:solidFill>
                 <a:srgbClr val="000000"/>
               </a:solidFill>
@@ -13059,14 +13070,14 @@
               <a:buChar char="●"/>
             </a:pPr>
             <a:r>
-              <a:rPr lang="en">
+              <a:rPr lang="en" dirty="0">
                 <a:solidFill>
                   <a:srgbClr val="000000"/>
                 </a:solidFill>
               </a:rPr>
               <a:t>Highest priority stories selection</a:t>
             </a:r>
-            <a:endParaRPr>
+            <a:endParaRPr dirty="0">
               <a:solidFill>
                 <a:srgbClr val="000000"/>
               </a:solidFill>
@@ -13090,14 +13101,14 @@
               <a:buChar char="○"/>
             </a:pPr>
             <a:r>
-              <a:rPr lang="en">
+              <a:rPr lang="en" dirty="0">
                 <a:solidFill>
                   <a:srgbClr val="000000"/>
                 </a:solidFill>
               </a:rPr>
               <a:t>This sprint, it was decided by what tasks would affect our grade the most</a:t>
             </a:r>
-            <a:endParaRPr>
+            <a:endParaRPr dirty="0">
               <a:solidFill>
                 <a:srgbClr val="000000"/>
               </a:solidFill>
